--- a/docs/diagrams/LogicComponentSequenceDiagram.pptx
+++ b/docs/diagrams/LogicComponentSequenceDiagram.pptx
@@ -4069,8 +4069,8 @@
         </p:nvSpPr>
         <p:spPr>
           <a:xfrm>
-            <a:off x="152400" y="2819400"/>
-            <a:ext cx="1847648" cy="161583"/>
+            <a:off x="0" y="2820623"/>
+            <a:ext cx="2085486" cy="161583"/>
           </a:xfrm>
           <a:prstGeom prst="rect">
             <a:avLst/>
@@ -4090,31 +4090,7 @@
                   <a:srgbClr val="0070C0"/>
                 </a:solidFill>
               </a:rPr>
-              <a:t>execute</a:t>
-            </a:r>
-            <a:r>
-              <a:rPr lang="en-US" sz="1050" dirty="0" smtClean="0">
-                <a:solidFill>
-                  <a:srgbClr val="0070C0"/>
-                </a:solidFill>
-              </a:rPr>
-              <a:t>(“</a:t>
-            </a:r>
-            <a:r>
-              <a:rPr lang="en-US" sz="1050" dirty="0" smtClean="0">
-                <a:solidFill>
-                  <a:srgbClr val="0070C0"/>
-                </a:solidFill>
-              </a:rPr>
-              <a:t>edit</a:t>
-            </a:r>
-            <a:r>
-              <a:rPr lang="en-US" sz="1050" dirty="0" smtClean="0">
-                <a:solidFill>
-                  <a:srgbClr val="0070C0"/>
-                </a:solidFill>
-              </a:rPr>
-              <a:t> 1 n/Survive 2103”)</a:t>
+              <a:t>execute(“edit 1 n/Survive 2103”)</a:t>
             </a:r>
             <a:endParaRPr lang="en-US" sz="1050" dirty="0">
               <a:solidFill>
@@ -4721,7 +4697,23 @@
                   <a:srgbClr val="7030A0"/>
                 </a:solidFill>
               </a:rPr>
-              <a:t>(I)</a:t>
+              <a:t>(</a:t>
+            </a:r>
+            <a:r>
+              <a:rPr lang="en-US" dirty="0" err="1" smtClean="0">
+                <a:solidFill>
+                  <a:srgbClr val="7030A0"/>
+                </a:solidFill>
+              </a:rPr>
+              <a:t>i</a:t>
+            </a:r>
+            <a:r>
+              <a:rPr lang="en-US" dirty="0" smtClean="0">
+                <a:solidFill>
+                  <a:srgbClr val="7030A0"/>
+                </a:solidFill>
+              </a:rPr>
+              <a:t>)</a:t>
             </a:r>
             <a:endParaRPr lang="en-US" dirty="0">
               <a:solidFill>
@@ -4808,11 +4800,7 @@
             <a:pPr algn="ctr"/>
             <a:r>
               <a:rPr lang="en-US" sz="1100" dirty="0" smtClean="0"/>
-              <a:t>parse</a:t>
-            </a:r>
-            <a:r>
-              <a:rPr lang="en-US" sz="1100" dirty="0" smtClean="0"/>
-              <a:t>(“</a:t>
+              <a:t>parse(“</a:t>
             </a:r>
             <a:r>
               <a:rPr lang="en-US" sz="1100" dirty="0"/>
@@ -5140,7 +5128,6 @@
               <a:rPr lang="en-US" dirty="0"/>
               <a:t>e</a:t>
             </a:r>
-            <a:endParaRPr lang="en-US" dirty="0"/>
           </a:p>
         </p:txBody>
       </p:sp>
